--- a/ppt/01_社團基本事項.pptx
+++ b/ppt/01_社團基本事項.pptx
@@ -5,13 +5,11 @@
     <p:sldMasterId id="2147483731" r:id="rId1"/>
   </p:sldMasterIdLst>
   <p:notesMasterIdLst>
-    <p:notesMasterId r:id="rId6"/>
+    <p:notesMasterId r:id="rId4"/>
   </p:notesMasterIdLst>
   <p:sldIdLst>
     <p:sldId id="256" r:id="rId2"/>
-    <p:sldId id="260" r:id="rId3"/>
-    <p:sldId id="262" r:id="rId4"/>
-    <p:sldId id="263" r:id="rId5"/>
+    <p:sldId id="263" r:id="rId3"/>
   </p:sldIdLst>
   <p:sldSz cx="12192000" cy="6858000"/>
   <p:notesSz cx="6858000" cy="9144000"/>
@@ -200,7 +198,7 @@
           <a:p>
             <a:fld id="{7472AC8F-9E49-464C-9607-B43BB7648CA8}" type="datetimeFigureOut">
               <a:rPr lang="zh-TW" altLang="en-US" smtClean="0"/>
-              <a:t>2025/2/28</a:t>
+              <a:t>2025/7/17</a:t>
             </a:fld>
             <a:endParaRPr lang="zh-TW" altLang="en-US"/>
           </a:p>
@@ -2228,249 +2226,6 @@
 </file>
 
 <file path=ppt/slides/slide2.xml><?xml version="1.0" encoding="utf-8"?>
-<p:sld xmlns:a="http://schemas.openxmlformats.org/drawingml/2006/main" xmlns:r="http://schemas.openxmlformats.org/officeDocument/2006/relationships" xmlns:p="http://schemas.openxmlformats.org/presentationml/2006/main">
-  <p:cSld>
-    <p:spTree>
-      <p:nvGrpSpPr>
-        <p:cNvPr id="1" name=""/>
-        <p:cNvGrpSpPr/>
-        <p:nvPr/>
-      </p:nvGrpSpPr>
-      <p:grpSpPr>
-        <a:xfrm>
-          <a:off x="0" y="0"/>
-          <a:ext cx="0" cy="0"/>
-          <a:chOff x="0" y="0"/>
-          <a:chExt cx="0" cy="0"/>
-        </a:xfrm>
-      </p:grpSpPr>
-      <p:sp>
-        <p:nvSpPr>
-          <p:cNvPr id="2" name="標題 1">
-            <a:extLst>
-              <a:ext uri="{FF2B5EF4-FFF2-40B4-BE49-F238E27FC236}">
-                <a16:creationId xmlns:a16="http://schemas.microsoft.com/office/drawing/2014/main" id="{B86B356F-A419-467A-9583-07AC42719D2A}"/>
-              </a:ext>
-            </a:extLst>
-          </p:cNvPr>
-          <p:cNvSpPr>
-            <a:spLocks noGrp="1"/>
-          </p:cNvSpPr>
-          <p:nvPr>
-            <p:ph type="title"/>
-          </p:nvPr>
-        </p:nvSpPr>
-        <p:spPr/>
-        <p:txBody>
-          <a:bodyPr/>
-          <a:lstStyle/>
-          <a:p>
-            <a:r>
-              <a:rPr lang="zh-TW" altLang="en-US"/>
-              <a:t>第四屆社團幹部</a:t>
-            </a:r>
-          </a:p>
-        </p:txBody>
-      </p:sp>
-      <p:sp>
-        <p:nvSpPr>
-          <p:cNvPr id="3" name="內容版面配置區 2">
-            <a:extLst>
-              <a:ext uri="{FF2B5EF4-FFF2-40B4-BE49-F238E27FC236}">
-                <a16:creationId xmlns:a16="http://schemas.microsoft.com/office/drawing/2014/main" id="{0214DD1B-5F04-408C-880E-CC0487FA7D04}"/>
-              </a:ext>
-            </a:extLst>
-          </p:cNvPr>
-          <p:cNvSpPr>
-            <a:spLocks noGrp="1"/>
-          </p:cNvSpPr>
-          <p:nvPr>
-            <p:ph idx="1"/>
-          </p:nvPr>
-        </p:nvSpPr>
-        <p:spPr/>
-        <p:txBody>
-          <a:bodyPr>
-            <a:normAutofit/>
-          </a:bodyPr>
-          <a:lstStyle/>
-          <a:p>
-            <a:r>
-              <a:rPr lang="zh-TW" altLang="en-US" sz="3200"/>
-              <a:t>社長：楊晉程</a:t>
-            </a:r>
-            <a:endParaRPr lang="en-US" altLang="zh-TW" sz="3200"/>
-          </a:p>
-          <a:p>
-            <a:r>
-              <a:rPr lang="zh-TW" altLang="en-US" sz="3200"/>
-              <a:t>副社長：陳彥儒</a:t>
-            </a:r>
-            <a:endParaRPr lang="en-US" altLang="zh-TW" sz="3200"/>
-          </a:p>
-          <a:p>
-            <a:r>
-              <a:rPr lang="zh-TW" altLang="en-US" sz="3200"/>
-              <a:t>總務：謝佑晟</a:t>
-            </a:r>
-            <a:endParaRPr lang="en-US" altLang="zh-TW" sz="3200"/>
-          </a:p>
-          <a:p>
-            <a:r>
-              <a:rPr lang="zh-TW" altLang="en-US" sz="3200"/>
-              <a:t>教學：邱顯智、黃巖朔</a:t>
-            </a:r>
-            <a:endParaRPr lang="en-US" altLang="zh-TW" sz="3200"/>
-          </a:p>
-          <a:p>
-            <a:r>
-              <a:rPr lang="zh-TW" altLang="en-US" sz="3200"/>
-              <a:t>活動：李廷恩</a:t>
-            </a:r>
-            <a:endParaRPr lang="en-US" altLang="zh-TW" sz="3200"/>
-          </a:p>
-          <a:p>
-            <a:endParaRPr lang="en-US" altLang="zh-TW" sz="3200"/>
-          </a:p>
-          <a:p>
-            <a:r>
-              <a:rPr lang="zh-TW" altLang="en-US" sz="3200"/>
-              <a:t>指導老師：吳佳憲 老師</a:t>
-            </a:r>
-          </a:p>
-        </p:txBody>
-      </p:sp>
-    </p:spTree>
-    <p:extLst>
-      <p:ext uri="{BB962C8B-B14F-4D97-AF65-F5344CB8AC3E}">
-        <p14:creationId xmlns:p14="http://schemas.microsoft.com/office/powerpoint/2010/main" val="1832784840"/>
-      </p:ext>
-    </p:extLst>
-  </p:cSld>
-  <p:clrMapOvr>
-    <a:masterClrMapping/>
-  </p:clrMapOvr>
-  <p:transition>
-    <p:push dir="u"/>
-  </p:transition>
-</p:sld>
-</file>
-
-<file path=ppt/slides/slide3.xml><?xml version="1.0" encoding="utf-8"?>
-<p:sld xmlns:a="http://schemas.openxmlformats.org/drawingml/2006/main" xmlns:r="http://schemas.openxmlformats.org/officeDocument/2006/relationships" xmlns:p="http://schemas.openxmlformats.org/presentationml/2006/main">
-  <p:cSld>
-    <p:spTree>
-      <p:nvGrpSpPr>
-        <p:cNvPr id="1" name=""/>
-        <p:cNvGrpSpPr/>
-        <p:nvPr/>
-      </p:nvGrpSpPr>
-      <p:grpSpPr>
-        <a:xfrm>
-          <a:off x="0" y="0"/>
-          <a:ext cx="0" cy="0"/>
-          <a:chOff x="0" y="0"/>
-          <a:chExt cx="0" cy="0"/>
-        </a:xfrm>
-      </p:grpSpPr>
-      <p:sp>
-        <p:nvSpPr>
-          <p:cNvPr id="2" name="標題 1">
-            <a:extLst>
-              <a:ext uri="{FF2B5EF4-FFF2-40B4-BE49-F238E27FC236}">
-                <a16:creationId xmlns:a16="http://schemas.microsoft.com/office/drawing/2014/main" id="{FEE9FFA3-0846-4AE9-9E9D-B2C2211B3FAE}"/>
-              </a:ext>
-            </a:extLst>
-          </p:cNvPr>
-          <p:cNvSpPr>
-            <a:spLocks noGrp="1"/>
-          </p:cNvSpPr>
-          <p:nvPr>
-            <p:ph type="title"/>
-          </p:nvPr>
-        </p:nvSpPr>
-        <p:spPr/>
-        <p:txBody>
-          <a:bodyPr/>
-          <a:lstStyle/>
-          <a:p>
-            <a:r>
-              <a:rPr lang="zh-TW" altLang="en-US"/>
-              <a:t>課程大綱</a:t>
-            </a:r>
-          </a:p>
-        </p:txBody>
-      </p:sp>
-      <p:sp>
-        <p:nvSpPr>
-          <p:cNvPr id="3" name="內容版面配置區 2">
-            <a:extLst>
-              <a:ext uri="{FF2B5EF4-FFF2-40B4-BE49-F238E27FC236}">
-                <a16:creationId xmlns:a16="http://schemas.microsoft.com/office/drawing/2014/main" id="{BB27BEFE-15C2-40CF-8256-1D6FDF6F91C0}"/>
-              </a:ext>
-            </a:extLst>
-          </p:cNvPr>
-          <p:cNvSpPr>
-            <a:spLocks noGrp="1"/>
-          </p:cNvSpPr>
-          <p:nvPr>
-            <p:ph idx="1"/>
-          </p:nvPr>
-        </p:nvSpPr>
-        <p:spPr/>
-        <p:txBody>
-          <a:bodyPr>
-            <a:normAutofit/>
-          </a:bodyPr>
-          <a:lstStyle/>
-          <a:p>
-            <a:r>
-              <a:rPr lang="zh-TW" altLang="en-US"/>
-              <a:t>請至社團網站查看</a:t>
-            </a:r>
-            <a:endParaRPr lang="en-US" altLang="zh-TW"/>
-          </a:p>
-          <a:p>
-            <a:r>
-              <a:rPr lang="en-US" altLang="zh-TW">
-                <a:solidFill>
-                  <a:srgbClr val="FFC000"/>
-                </a:solidFill>
-                <a:hlinkClick r:id="rId2">
-                  <a:extLst>
-                    <a:ext uri="{A12FA001-AC4F-418D-AE19-62706E023703}">
-                      <ahyp:hlinkClr xmlns:ahyp="http://schemas.microsoft.com/office/drawing/2018/hyperlinkcolor" val="tx"/>
-                    </a:ext>
-                  </a:extLst>
-                </a:hlinkClick>
-              </a:rPr>
-              <a:t>https://tyshic.github.io/</a:t>
-            </a:r>
-            <a:endParaRPr lang="en-US" altLang="zh-TW">
-              <a:solidFill>
-                <a:srgbClr val="FFC000"/>
-              </a:solidFill>
-            </a:endParaRPr>
-          </a:p>
-        </p:txBody>
-      </p:sp>
-    </p:spTree>
-    <p:extLst>
-      <p:ext uri="{BB962C8B-B14F-4D97-AF65-F5344CB8AC3E}">
-        <p14:creationId xmlns:p14="http://schemas.microsoft.com/office/powerpoint/2010/main" val="3858053256"/>
-      </p:ext>
-    </p:extLst>
-  </p:cSld>
-  <p:clrMapOvr>
-    <a:masterClrMapping/>
-  </p:clrMapOvr>
-  <p:transition>
-    <p:push dir="u"/>
-  </p:transition>
-</p:sld>
-</file>
-
-<file path=ppt/slides/slide4.xml><?xml version="1.0" encoding="utf-8"?>
 <p:sld xmlns:a="http://schemas.openxmlformats.org/drawingml/2006/main" xmlns:r="http://schemas.openxmlformats.org/officeDocument/2006/relationships" xmlns:p="http://schemas.openxmlformats.org/presentationml/2006/main">
   <p:cSld>
     <p:spTree>
